--- a/presentation.pptx
+++ b/presentation.pptx
@@ -12823,8 +12823,8 @@
         </p:nvSpPr>
         <p:spPr>
           <a:xfrm flipH="false" flipV="false" rot="0">
-            <a:off x="1254395" y="4769165"/>
-            <a:ext cx="7121658" cy="1553499"/>
+            <a:off x="1028700" y="4421393"/>
+            <a:ext cx="3940494" cy="998029"/>
           </a:xfrm>
           <a:custGeom>
             <a:avLst/>
@@ -12833,18 +12833,18 @@
             <a:cxnLst/>
             <a:rect r="r" b="b" t="t" l="l"/>
             <a:pathLst>
-              <a:path h="1553499" w="7121658">
+              <a:path h="998029" w="3940494">
                 <a:moveTo>
                   <a:pt x="0" y="0"/>
                 </a:moveTo>
                 <a:lnTo>
-                  <a:pt x="7121658" y="0"/>
+                  <a:pt x="3940494" y="0"/>
                 </a:lnTo>
                 <a:lnTo>
-                  <a:pt x="7121658" y="1553499"/>
+                  <a:pt x="3940494" y="998029"/>
                 </a:lnTo>
                 <a:lnTo>
-                  <a:pt x="0" y="1553499"/>
+                  <a:pt x="0" y="998029"/>
                 </a:lnTo>
                 <a:lnTo>
                   <a:pt x="0" y="0"/>
@@ -12863,7 +12863,53 @@
       </p:sp>
       <p:sp>
         <p:nvSpPr>
-          <p:cNvPr name="TextBox 9" id="9"/>
+          <p:cNvPr name="Freeform 9" id="9"/>
+          <p:cNvSpPr/>
+          <p:nvPr/>
+        </p:nvSpPr>
+        <p:spPr>
+          <a:xfrm flipH="false" flipV="false" rot="0">
+            <a:off x="832926" y="5916426"/>
+            <a:ext cx="4942432" cy="774676"/>
+          </a:xfrm>
+          <a:custGeom>
+            <a:avLst/>
+            <a:gdLst/>
+            <a:ahLst/>
+            <a:cxnLst/>
+            <a:rect r="r" b="b" t="t" l="l"/>
+            <a:pathLst>
+              <a:path h="774676" w="4942432">
+                <a:moveTo>
+                  <a:pt x="0" y="0"/>
+                </a:moveTo>
+                <a:lnTo>
+                  <a:pt x="4942432" y="0"/>
+                </a:lnTo>
+                <a:lnTo>
+                  <a:pt x="4942432" y="774676"/>
+                </a:lnTo>
+                <a:lnTo>
+                  <a:pt x="0" y="774676"/>
+                </a:lnTo>
+                <a:lnTo>
+                  <a:pt x="0" y="0"/>
+                </a:lnTo>
+                <a:close/>
+              </a:path>
+            </a:pathLst>
+          </a:custGeom>
+          <a:blipFill>
+            <a:blip r:embed="rId3"/>
+            <a:stretch>
+              <a:fillRect l="0" t="0" r="0" b="0"/>
+            </a:stretch>
+          </a:blipFill>
+        </p:spPr>
+      </p:sp>
+      <p:sp>
+        <p:nvSpPr>
+          <p:cNvPr name="TextBox 10" id="10"/>
           <p:cNvSpPr txBox="true"/>
           <p:nvPr/>
         </p:nvSpPr>
@@ -12907,14 +12953,14 @@
       </p:sp>
       <p:sp>
         <p:nvSpPr>
-          <p:cNvPr name="TextBox 10" id="10"/>
+          <p:cNvPr name="TextBox 11" id="11"/>
           <p:cNvSpPr txBox="true"/>
           <p:nvPr/>
         </p:nvSpPr>
         <p:spPr>
           <a:xfrm rot="0">
-            <a:off x="310781" y="2998211"/>
-            <a:ext cx="11708131" cy="1590675"/>
+            <a:off x="409933" y="2961029"/>
+            <a:ext cx="11706999" cy="2124313"/>
           </a:xfrm>
           <a:prstGeom prst="rect">
             <a:avLst/>
@@ -12995,18 +13041,28 @@
               <a:t>Tính xác suất với công thức (sử dụng add-one smoothing)</a:t>
             </a:r>
           </a:p>
+          <a:p>
+            <a:pPr algn="l">
+              <a:lnSpc>
+                <a:spcPts val="4200"/>
+              </a:lnSpc>
+              <a:spcBef>
+                <a:spcPct val="0"/>
+              </a:spcBef>
+            </a:pPr>
+          </a:p>
         </p:txBody>
       </p:sp>
       <p:sp>
         <p:nvSpPr>
-          <p:cNvPr name="TextBox 11" id="11"/>
+          <p:cNvPr name="TextBox 12" id="12"/>
           <p:cNvSpPr txBox="true"/>
           <p:nvPr/>
         </p:nvSpPr>
         <p:spPr>
           <a:xfrm rot="0">
-            <a:off x="310781" y="6754192"/>
-            <a:ext cx="15024021" cy="523875"/>
+            <a:off x="409933" y="6776827"/>
+            <a:ext cx="15022414" cy="1057394"/>
           </a:xfrm>
           <a:prstGeom prst="rect">
             <a:avLst/>
@@ -13017,6 +13073,13 @@
             <a:spAutoFit/>
           </a:bodyPr>
           <a:lstStyle/>
+          <a:p>
+            <a:pPr algn="ctr">
+              <a:lnSpc>
+                <a:spcPts val="4200"/>
+              </a:lnSpc>
+            </a:pPr>
+          </a:p>
           <a:p>
             <a:pPr algn="ctr" marL="647702" indent="-323851" lvl="1">
               <a:lnSpc>
@@ -13045,14 +13108,14 @@
       </p:sp>
       <p:sp>
         <p:nvSpPr>
-          <p:cNvPr name="TextBox 12" id="12"/>
+          <p:cNvPr name="TextBox 13" id="13"/>
           <p:cNvSpPr txBox="true"/>
           <p:nvPr/>
         </p:nvSpPr>
         <p:spPr>
           <a:xfrm rot="0">
-            <a:off x="310781" y="7573342"/>
-            <a:ext cx="14886504" cy="523875"/>
+            <a:off x="409933" y="7919946"/>
+            <a:ext cx="14884897" cy="1057394"/>
           </a:xfrm>
           <a:prstGeom prst="rect">
             <a:avLst/>
@@ -13063,6 +13126,13 @@
             <a:spAutoFit/>
           </a:bodyPr>
           <a:lstStyle/>
+          <a:p>
+            <a:pPr algn="just">
+              <a:lnSpc>
+                <a:spcPts val="4200"/>
+              </a:lnSpc>
+            </a:pPr>
+          </a:p>
           <a:p>
             <a:pPr algn="just" marL="647702" indent="-323851" lvl="1">
               <a:lnSpc>

--- a/presentation.pptx
+++ b/presentation.pptx
@@ -12823,8 +12823,8 @@
         </p:nvSpPr>
         <p:spPr>
           <a:xfrm flipH="false" flipV="false" rot="0">
-            <a:off x="1028700" y="4421393"/>
-            <a:ext cx="3940494" cy="998029"/>
+            <a:off x="1028700" y="4510976"/>
+            <a:ext cx="3940494" cy="908446"/>
           </a:xfrm>
           <a:custGeom>
             <a:avLst/>
@@ -12833,7 +12833,7 @@
             <a:cxnLst/>
             <a:rect r="r" b="b" t="t" l="l"/>
             <a:pathLst>
-              <a:path h="998029" w="3940494">
+              <a:path h="908446" w="3940494">
                 <a:moveTo>
                   <a:pt x="0" y="0"/>
                 </a:moveTo>
@@ -12841,10 +12841,10 @@
                   <a:pt x="3940494" y="0"/>
                 </a:lnTo>
                 <a:lnTo>
-                  <a:pt x="3940494" y="998029"/>
+                  <a:pt x="3940494" y="908446"/>
                 </a:lnTo>
                 <a:lnTo>
-                  <a:pt x="0" y="998029"/>
+                  <a:pt x="0" y="908446"/>
                 </a:lnTo>
                 <a:lnTo>
                   <a:pt x="0" y="0"/>
@@ -12856,7 +12856,7 @@
           <a:blipFill>
             <a:blip r:embed="rId2"/>
             <a:stretch>
-              <a:fillRect l="0" t="0" r="0" b="0"/>
+              <a:fillRect l="0" t="-9861" r="0" b="0"/>
             </a:stretch>
           </a:blipFill>
         </p:spPr>
@@ -12869,8 +12869,8 @@
         </p:nvSpPr>
         <p:spPr>
           <a:xfrm flipH="false" flipV="false" rot="0">
-            <a:off x="832926" y="5916426"/>
-            <a:ext cx="4942432" cy="774676"/>
+            <a:off x="778283" y="5667881"/>
+            <a:ext cx="5940703" cy="927162"/>
           </a:xfrm>
           <a:custGeom>
             <a:avLst/>
@@ -12879,18 +12879,18 @@
             <a:cxnLst/>
             <a:rect r="r" b="b" t="t" l="l"/>
             <a:pathLst>
-              <a:path h="774676" w="4942432">
+              <a:path h="927162" w="5940703">
                 <a:moveTo>
                   <a:pt x="0" y="0"/>
                 </a:moveTo>
                 <a:lnTo>
-                  <a:pt x="4942432" y="0"/>
+                  <a:pt x="5940703" y="0"/>
                 </a:lnTo>
                 <a:lnTo>
-                  <a:pt x="4942432" y="774676"/>
+                  <a:pt x="5940703" y="927162"/>
                 </a:lnTo>
                 <a:lnTo>
-                  <a:pt x="0" y="774676"/>
+                  <a:pt x="0" y="927162"/>
                 </a:lnTo>
                 <a:lnTo>
                   <a:pt x="0" y="0"/>
@@ -16590,8 +16590,8 @@
         </p:nvSpPr>
         <p:spPr>
           <a:xfrm flipH="false" flipV="false" rot="0">
-            <a:off x="782473" y="4914512"/>
-            <a:ext cx="6509340" cy="3781963"/>
+            <a:off x="782473" y="4964708"/>
+            <a:ext cx="6509340" cy="3731766"/>
           </a:xfrm>
           <a:custGeom>
             <a:avLst/>
@@ -16600,7 +16600,7 @@
             <a:cxnLst/>
             <a:rect r="r" b="b" t="t" l="l"/>
             <a:pathLst>
-              <a:path h="3781963" w="6509340">
+              <a:path h="3731766" w="6509340">
                 <a:moveTo>
                   <a:pt x="0" y="0"/>
                 </a:moveTo>
@@ -16608,10 +16608,10 @@
                   <a:pt x="6509340" y="0"/>
                 </a:lnTo>
                 <a:lnTo>
-                  <a:pt x="6509340" y="3781962"/>
+                  <a:pt x="6509340" y="3731766"/>
                 </a:lnTo>
                 <a:lnTo>
-                  <a:pt x="0" y="3781962"/>
+                  <a:pt x="0" y="3731766"/>
                 </a:lnTo>
                 <a:lnTo>
                   <a:pt x="0" y="0"/>
@@ -16623,7 +16623,7 @@
           <a:blipFill>
             <a:blip r:embed="rId2"/>
             <a:stretch>
-              <a:fillRect l="0" t="0" r="0" b="0"/>
+              <a:fillRect l="-125" t="-1600" r="-125" b="0"/>
             </a:stretch>
           </a:blipFill>
         </p:spPr>
